--- a/00-Introduction.pptx
+++ b/00-Introduction.pptx
@@ -11,7 +11,7 @@
     <p:handoutMasterId r:id="rId14"/>
   </p:handoutMasterIdLst>
   <p:sldIdLst>
-    <p:sldId id="462" r:id="rId5"/>
+    <p:sldId id="299" r:id="rId5"/>
     <p:sldId id="752" r:id="rId6"/>
     <p:sldId id="758" r:id="rId7"/>
     <p:sldId id="754" r:id="rId8"/>
@@ -125,7 +125,7 @@
       <p14:sectionLst xmlns:p14="http://schemas.microsoft.com/office/powerpoint/2010/main">
         <p14:section name="Title slide" id="{DE8BF54A-1323-4403-83F8-D7B5510C9D53}">
           <p14:sldIdLst>
-            <p14:sldId id="462"/>
+            <p14:sldId id="299"/>
             <p14:sldId id="752"/>
             <p14:sldId id="758"/>
             <p14:sldId id="754"/>
@@ -12456,7 +12456,7 @@
           <a:p>
             <a:fld id="{86D088FE-3E68-47FE-8BA4-634CD34BABBC}" type="datetimeFigureOut">
               <a:rPr lang="en-GB" smtClean="0"/>
-              <a:t>10/10/2022</a:t>
+              <a:t>05/12/2025</a:t>
             </a:fld>
             <a:endParaRPr lang="en-GB"/>
           </a:p>
@@ -12627,7 +12627,7 @@
             <a:fld id="{1D6B66C6-1E92-0F4E-A300-9D4ED1F0C23F}" type="datetimeFigureOut">
               <a:rPr lang="en-GB" smtClean="0"/>
               <a:pPr/>
-              <a:t>10/10/2022</a:t>
+              <a:t>05/12/2025</a:t>
             </a:fld>
             <a:endParaRPr lang="en-GB"/>
           </a:p>
@@ -12940,7 +12940,7 @@
           <a:bodyPr/>
           <a:lstStyle/>
           <a:p>
-            <a:endParaRPr lang="en-GB" dirty="0"/>
+            <a:endParaRPr lang="en-US"/>
           </a:p>
         </p:txBody>
       </p:sp>
@@ -12951,25 +12951,16 @@
             <a:spLocks noGrp="1"/>
           </p:cNvSpPr>
           <p:nvPr>
-            <p:ph type="sldNum" sz="quarter" idx="10"/>
+            <p:ph type="sldNum" sz="quarter" idx="5"/>
           </p:nvPr>
         </p:nvSpPr>
-        <p:spPr>
-          <a:xfrm>
-            <a:off x="3764119" y="9285339"/>
-            <a:ext cx="2879619" cy="490488"/>
-          </a:xfrm>
-          <a:prstGeom prst="rect">
-            <a:avLst/>
-          </a:prstGeom>
-        </p:spPr>
+        <p:spPr/>
         <p:txBody>
           <a:bodyPr/>
           <a:lstStyle/>
           <a:p>
-            <a:fld id="{548901C6-1DA1-FB44-ABEE-06A0FEB7738E}" type="slidenum">
+            <a:fld id="{35BE1F5F-BEC2-48D5-A890-C07C79853E26}" type="slidenum">
               <a:rPr lang="en-GB" smtClean="0"/>
-              <a:pPr/>
               <a:t>1</a:t>
             </a:fld>
             <a:endParaRPr lang="en-GB"/>
@@ -12979,7 +12970,7 @@
     </p:spTree>
     <p:extLst>
       <p:ext uri="{BB962C8B-B14F-4D97-AF65-F5344CB8AC3E}">
-        <p14:creationId xmlns:p14="http://schemas.microsoft.com/office/powerpoint/2010/main" val="2613327939"/>
+        <p14:creationId xmlns:p14="http://schemas.microsoft.com/office/powerpoint/2010/main" val="2546931957"/>
       </p:ext>
     </p:extLst>
   </p:cSld>
@@ -33131,6 +33122,245 @@
 </p:sldLayout>
 </file>
 
+<file path=ppt/slideLayouts/slideLayout35.xml><?xml version="1.0" encoding="utf-8"?>
+<p:sldLayout xmlns:a="http://schemas.openxmlformats.org/drawingml/2006/main" xmlns:r="http://schemas.openxmlformats.org/officeDocument/2006/relationships" xmlns:p="http://schemas.openxmlformats.org/presentationml/2006/main" type="title">
+  <p:cSld name="Purple_divider">
+    <p:bg>
+      <p:bgPr>
+        <a:blipFill dpi="0" rotWithShape="1">
+          <a:blip r:embed="rId2">
+            <a:lum/>
+          </a:blip>
+          <a:srcRect/>
+          <a:stretch>
+            <a:fillRect/>
+          </a:stretch>
+        </a:blipFill>
+        <a:effectLst/>
+      </p:bgPr>
+    </p:bg>
+    <p:spTree>
+      <p:nvGrpSpPr>
+        <p:cNvPr id="1" name=""/>
+        <p:cNvGrpSpPr/>
+        <p:nvPr/>
+      </p:nvGrpSpPr>
+      <p:grpSpPr>
+        <a:xfrm>
+          <a:off x="0" y="0"/>
+          <a:ext cx="0" cy="0"/>
+          <a:chOff x="0" y="0"/>
+          <a:chExt cx="0" cy="0"/>
+        </a:xfrm>
+      </p:grpSpPr>
+      <p:pic>
+        <p:nvPicPr>
+          <p:cNvPr id="5" name="Picture 4">
+            <a:extLst>
+              <a:ext uri="{FF2B5EF4-FFF2-40B4-BE49-F238E27FC236}">
+                <a16:creationId xmlns:a16="http://schemas.microsoft.com/office/drawing/2014/main" id="{AB0B8D50-2C63-2F2E-599F-E921BF1F757F}"/>
+              </a:ext>
+              <a:ext uri="{C183D7F6-B498-43B3-948B-1728B52AA6E4}">
+                <adec:decorative xmlns:adec="http://schemas.microsoft.com/office/drawing/2017/decorative" val="1"/>
+              </a:ext>
+            </a:extLst>
+          </p:cNvPr>
+          <p:cNvPicPr>
+            <a:picLocks noChangeAspect="1"/>
+          </p:cNvPicPr>
+          <p:nvPr userDrawn="1"/>
+        </p:nvPicPr>
+        <p:blipFill>
+          <a:blip r:embed="rId3"/>
+          <a:stretch>
+            <a:fillRect/>
+          </a:stretch>
+        </p:blipFill>
+        <p:spPr>
+          <a:xfrm>
+            <a:off x="0" y="898802"/>
+            <a:ext cx="8062294" cy="1684800"/>
+          </a:xfrm>
+          <a:prstGeom prst="rect">
+            <a:avLst/>
+          </a:prstGeom>
+        </p:spPr>
+      </p:pic>
+      <p:sp>
+        <p:nvSpPr>
+          <p:cNvPr id="2" name="Title 1">
+            <a:extLst>
+              <a:ext uri="{FF2B5EF4-FFF2-40B4-BE49-F238E27FC236}">
+                <a16:creationId xmlns:a16="http://schemas.microsoft.com/office/drawing/2014/main" id="{909D855A-1A49-ADBE-89C8-65ECAFD2AAB3}"/>
+              </a:ext>
+            </a:extLst>
+          </p:cNvPr>
+          <p:cNvSpPr>
+            <a:spLocks noGrp="1"/>
+          </p:cNvSpPr>
+          <p:nvPr>
+            <p:ph type="ctrTitle"/>
+          </p:nvPr>
+        </p:nvSpPr>
+        <p:spPr>
+          <a:xfrm>
+            <a:off x="473406" y="1118152"/>
+            <a:ext cx="6777996" cy="1247916"/>
+          </a:xfrm>
+          <a:prstGeom prst="rect">
+            <a:avLst/>
+          </a:prstGeom>
+          <a:ln>
+            <a:noFill/>
+          </a:ln>
+        </p:spPr>
+        <p:txBody>
+          <a:bodyPr lIns="0" rIns="0" anchor="ctr"/>
+          <a:lstStyle>
+            <a:lvl1pPr algn="l">
+              <a:lnSpc>
+                <a:spcPct val="100000"/>
+              </a:lnSpc>
+              <a:defRPr sz="3600">
+                <a:solidFill>
+                  <a:schemeClr val="tx1"/>
+                </a:solidFill>
+              </a:defRPr>
+            </a:lvl1pPr>
+          </a:lstStyle>
+          <a:p>
+            <a:endParaRPr lang="en-GB"/>
+          </a:p>
+        </p:txBody>
+      </p:sp>
+      <p:sp>
+        <p:nvSpPr>
+          <p:cNvPr id="3" name="Subtitle 2">
+            <a:extLst>
+              <a:ext uri="{FF2B5EF4-FFF2-40B4-BE49-F238E27FC236}">
+                <a16:creationId xmlns:a16="http://schemas.microsoft.com/office/drawing/2014/main" id="{994AF8D4-DACD-9AF9-364C-02C474BC62A5}"/>
+              </a:ext>
+            </a:extLst>
+          </p:cNvPr>
+          <p:cNvSpPr>
+            <a:spLocks noGrp="1"/>
+          </p:cNvSpPr>
+          <p:nvPr>
+            <p:ph type="subTitle" idx="1"/>
+          </p:nvPr>
+        </p:nvSpPr>
+        <p:spPr>
+          <a:xfrm>
+            <a:off x="473406" y="2902689"/>
+            <a:ext cx="6150678" cy="863600"/>
+          </a:xfrm>
+          <a:prstGeom prst="rect">
+            <a:avLst/>
+          </a:prstGeom>
+          <a:ln>
+            <a:noFill/>
+          </a:ln>
+        </p:spPr>
+        <p:txBody>
+          <a:bodyPr lIns="0" rIns="0" anchor="t"/>
+          <a:lstStyle>
+            <a:lvl1pPr marL="0" indent="0" algn="l">
+              <a:buNone/>
+              <a:defRPr sz="1800">
+                <a:solidFill>
+                  <a:schemeClr val="tx1"/>
+                </a:solidFill>
+              </a:defRPr>
+            </a:lvl1pPr>
+            <a:lvl2pPr marL="457200" indent="0" algn="ctr">
+              <a:buNone/>
+              <a:defRPr sz="2000"/>
+            </a:lvl2pPr>
+            <a:lvl3pPr marL="914400" indent="0" algn="ctr">
+              <a:buNone/>
+              <a:defRPr sz="1800"/>
+            </a:lvl3pPr>
+            <a:lvl4pPr marL="1371600" indent="0" algn="ctr">
+              <a:buNone/>
+              <a:defRPr sz="1600"/>
+            </a:lvl4pPr>
+            <a:lvl5pPr marL="1828800" indent="0" algn="ctr">
+              <a:buNone/>
+              <a:defRPr sz="1600"/>
+            </a:lvl5pPr>
+            <a:lvl6pPr marL="2286000" indent="0" algn="ctr">
+              <a:buNone/>
+              <a:defRPr sz="1600"/>
+            </a:lvl6pPr>
+            <a:lvl7pPr marL="2743200" indent="0" algn="ctr">
+              <a:buNone/>
+              <a:defRPr sz="1600"/>
+            </a:lvl7pPr>
+            <a:lvl8pPr marL="3200400" indent="0" algn="ctr">
+              <a:buNone/>
+              <a:defRPr sz="1600"/>
+            </a:lvl8pPr>
+            <a:lvl9pPr marL="3657600" indent="0" algn="ctr">
+              <a:buNone/>
+              <a:defRPr sz="1600"/>
+            </a:lvl9pPr>
+          </a:lstStyle>
+          <a:p>
+            <a:endParaRPr lang="en-GB"/>
+          </a:p>
+        </p:txBody>
+      </p:sp>
+      <p:pic>
+        <p:nvPicPr>
+          <p:cNvPr id="9" name="Picture 8">
+            <a:extLst>
+              <a:ext uri="{FF2B5EF4-FFF2-40B4-BE49-F238E27FC236}">
+                <a16:creationId xmlns:a16="http://schemas.microsoft.com/office/drawing/2014/main" id="{ADC96ABF-C649-123E-FBF1-598689C3D553}"/>
+              </a:ext>
+              <a:ext uri="{C183D7F6-B498-43B3-948B-1728B52AA6E4}">
+                <adec:decorative xmlns:adec="http://schemas.microsoft.com/office/drawing/2017/decorative" val="1"/>
+              </a:ext>
+            </a:extLst>
+          </p:cNvPr>
+          <p:cNvPicPr>
+            <a:picLocks noChangeAspect="1"/>
+          </p:cNvPicPr>
+          <p:nvPr userDrawn="1"/>
+        </p:nvPicPr>
+        <p:blipFill>
+          <a:blip r:embed="rId4"/>
+          <a:stretch>
+            <a:fillRect/>
+          </a:stretch>
+        </p:blipFill>
+        <p:spPr>
+          <a:xfrm>
+            <a:off x="473406" y="5650088"/>
+            <a:ext cx="1972082" cy="650979"/>
+          </a:xfrm>
+          <a:prstGeom prst="rect">
+            <a:avLst/>
+          </a:prstGeom>
+        </p:spPr>
+      </p:pic>
+    </p:spTree>
+    <p:extLst>
+      <p:ext uri="{BB962C8B-B14F-4D97-AF65-F5344CB8AC3E}">
+        <p14:creationId xmlns:p14="http://schemas.microsoft.com/office/powerpoint/2010/main" val="3194747100"/>
+      </p:ext>
+    </p:extLst>
+  </p:cSld>
+  <p:clrMapOvr>
+    <a:masterClrMapping/>
+  </p:clrMapOvr>
+  <p:extLst>
+    <p:ext uri="{DCECCB84-F9BA-43D5-87BE-67443E8EF086}">
+      <p15:sldGuideLst xmlns:p15="http://schemas.microsoft.com/office/powerpoint/2012/main"/>
+    </p:ext>
+  </p:extLst>
+</p:sldLayout>
+</file>
+
 <file path=ppt/slideLayouts/slideLayout4.xml><?xml version="1.0" encoding="utf-8"?>
 <p:sldLayout xmlns:a="http://schemas.openxmlformats.org/drawingml/2006/main" xmlns:r="http://schemas.openxmlformats.org/officeDocument/2006/relationships" xmlns:p="http://schemas.openxmlformats.org/presentationml/2006/main" showMasterSp="0" preserve="1" userDrawn="1">
   <p:cSld name="Title slide 1">
@@ -37375,6 +37605,7 @@
     <p:sldLayoutId id="2147483724" r:id="rId32"/>
     <p:sldLayoutId id="2147483797" r:id="rId33"/>
     <p:sldLayoutId id="2147483814" r:id="rId34"/>
+    <p:sldLayoutId id="2147483902" r:id="rId35"/>
   </p:sldLayoutIdLst>
   <p:hf sldNum="0" hdr="0" ftr="0" dt="0"/>
   <p:txStyles>
@@ -37433,7 +37664,7 @@
         <a:buSzPct val="125000"/>
         <a:buFontTx/>
         <a:buBlip>
-          <a:blip r:embed="rId36"/>
+          <a:blip r:embed="rId37"/>
         </a:buBlip>
         <a:tabLst/>
         <a:defRPr sz="2000" b="0" kern="1200">
@@ -37458,7 +37689,7 @@
         <a:buSzPct val="120000"/>
         <a:buFontTx/>
         <a:buBlip>
-          <a:blip r:embed="rId36"/>
+          <a:blip r:embed="rId37"/>
         </a:buBlip>
         <a:tabLst/>
         <a:defRPr sz="2000" b="0" i="0" kern="1200">
@@ -37483,7 +37714,7 @@
         <a:buSzPct val="120000"/>
         <a:buFontTx/>
         <a:buBlip>
-          <a:blip r:embed="rId36"/>
+          <a:blip r:embed="rId37"/>
         </a:buBlip>
         <a:tabLst/>
         <a:defRPr sz="2000" b="0" kern="1200">
@@ -37508,7 +37739,7 @@
         <a:buSzPct val="125000"/>
         <a:buFontTx/>
         <a:buBlip>
-          <a:blip r:embed="rId36"/>
+          <a:blip r:embed="rId37"/>
         </a:buBlip>
         <a:tabLst/>
         <a:defRPr sz="2000" b="0" kern="1200">
@@ -37857,7 +38088,13 @@
       </p:grpSpPr>
       <p:sp>
         <p:nvSpPr>
-          <p:cNvPr id="3" name="Title 2"/>
+          <p:cNvPr id="4" name="Title 3">
+            <a:extLst>
+              <a:ext uri="{FF2B5EF4-FFF2-40B4-BE49-F238E27FC236}">
+                <a16:creationId xmlns:a16="http://schemas.microsoft.com/office/drawing/2014/main" id="{6B10A2E5-A3AA-7BE3-7C87-983A58C15C46}"/>
+              </a:ext>
+            </a:extLst>
+          </p:cNvPr>
           <p:cNvSpPr>
             <a:spLocks noGrp="1"/>
           </p:cNvSpPr>
@@ -37874,237 +38111,24 @@
               <a:rPr lang="en-GB" dirty="0"/>
               <a:t>Introduction</a:t>
             </a:r>
+            <a:endParaRPr lang="en-US" dirty="0"/>
           </a:p>
         </p:txBody>
       </p:sp>
       <p:sp>
         <p:nvSpPr>
-          <p:cNvPr id="5" name="Content Placeholder 2"/>
-          <p:cNvSpPr txBox="1">
-            <a:spLocks/>
-          </p:cNvSpPr>
-          <p:nvPr/>
-        </p:nvSpPr>
-        <p:spPr>
-          <a:xfrm>
-            <a:off x="385299" y="5768975"/>
-            <a:ext cx="5627171" cy="705846"/>
-          </a:xfrm>
-          <a:prstGeom prst="rect">
-            <a:avLst/>
-          </a:prstGeom>
-        </p:spPr>
-        <p:txBody>
-          <a:bodyPr/>
-          <a:lstStyle>
-            <a:lvl1pPr marL="0" indent="0" algn="l" defTabSz="914400" rtl="0" eaLnBrk="1" latinLnBrk="0" hangingPunct="1">
-              <a:lnSpc>
-                <a:spcPct val="100000"/>
-              </a:lnSpc>
-              <a:spcBef>
-                <a:spcPts val="0"/>
-              </a:spcBef>
-              <a:spcAft>
-                <a:spcPts val="650"/>
-              </a:spcAft>
-              <a:buSzPct val="115000"/>
-              <a:buFontTx/>
-              <a:buNone/>
-              <a:defRPr sz="1800" b="0" i="0" kern="1200">
-                <a:solidFill>
-                  <a:schemeClr val="tx1"/>
-                </a:solidFill>
-                <a:latin typeface="Montserrat" pitchFamily="2" charset="77"/>
-                <a:ea typeface="+mn-ea"/>
-                <a:cs typeface="+mn-cs"/>
-              </a:defRPr>
-            </a:lvl1pPr>
-            <a:lvl2pPr marL="355600" indent="-266700" algn="l" defTabSz="914400" rtl="0" eaLnBrk="1" latinLnBrk="0" hangingPunct="1">
-              <a:lnSpc>
-                <a:spcPct val="100000"/>
-              </a:lnSpc>
-              <a:spcBef>
-                <a:spcPts val="0"/>
-              </a:spcBef>
-              <a:spcAft>
-                <a:spcPts val="650"/>
-              </a:spcAft>
-              <a:buSzPct val="125000"/>
-              <a:buFontTx/>
-              <a:buBlip>
-                <a:blip r:embed="rId3"/>
-              </a:buBlip>
-              <a:tabLst/>
-              <a:defRPr sz="1800" b="0" kern="1200">
-                <a:solidFill>
-                  <a:schemeClr val="tx1"/>
-                </a:solidFill>
-                <a:latin typeface="Montserrat" pitchFamily="2" charset="77"/>
-                <a:ea typeface="+mn-ea"/>
-                <a:cs typeface="+mn-cs"/>
-              </a:defRPr>
-            </a:lvl2pPr>
-            <a:lvl3pPr marL="355600" indent="-266700" algn="l" defTabSz="914400" rtl="0" eaLnBrk="1" latinLnBrk="0" hangingPunct="1">
-              <a:lnSpc>
-                <a:spcPct val="100000"/>
-              </a:lnSpc>
-              <a:spcBef>
-                <a:spcPts val="0"/>
-              </a:spcBef>
-              <a:spcAft>
-                <a:spcPts val="650"/>
-              </a:spcAft>
-              <a:buSzPct val="120000"/>
-              <a:buFontTx/>
-              <a:buBlip>
-                <a:blip r:embed="rId3"/>
-              </a:buBlip>
-              <a:tabLst/>
-              <a:defRPr sz="1800" b="0" i="0" kern="1200">
-                <a:solidFill>
-                  <a:schemeClr val="tx1"/>
-                </a:solidFill>
-                <a:latin typeface="Montserrat" pitchFamily="2" charset="77"/>
-                <a:ea typeface="+mn-ea"/>
-                <a:cs typeface="+mn-cs"/>
-              </a:defRPr>
-            </a:lvl3pPr>
-            <a:lvl4pPr marL="355600" indent="-266700" algn="l" defTabSz="914400" rtl="0" eaLnBrk="1" latinLnBrk="0" hangingPunct="1">
-              <a:lnSpc>
-                <a:spcPct val="100000"/>
-              </a:lnSpc>
-              <a:spcBef>
-                <a:spcPts val="0"/>
-              </a:spcBef>
-              <a:spcAft>
-                <a:spcPts val="650"/>
-              </a:spcAft>
-              <a:buSzPct val="120000"/>
-              <a:buFontTx/>
-              <a:buBlip>
-                <a:blip r:embed="rId3"/>
-              </a:buBlip>
-              <a:tabLst/>
-              <a:defRPr sz="1800" b="0" kern="1200">
-                <a:solidFill>
-                  <a:schemeClr val="tx1"/>
-                </a:solidFill>
-                <a:latin typeface="Montserrat" pitchFamily="2" charset="77"/>
-                <a:ea typeface="+mn-ea"/>
-                <a:cs typeface="+mn-cs"/>
-              </a:defRPr>
-            </a:lvl4pPr>
-            <a:lvl5pPr marL="355600" indent="-266700" algn="l" defTabSz="914400" rtl="0" eaLnBrk="1" latinLnBrk="0" hangingPunct="1">
-              <a:lnSpc>
-                <a:spcPct val="100000"/>
-              </a:lnSpc>
-              <a:spcBef>
-                <a:spcPts val="0"/>
-              </a:spcBef>
-              <a:spcAft>
-                <a:spcPts val="650"/>
-              </a:spcAft>
-              <a:buSzPct val="125000"/>
-              <a:buFontTx/>
-              <a:buBlip>
-                <a:blip r:embed="rId3"/>
-              </a:buBlip>
-              <a:tabLst/>
-              <a:defRPr sz="1800" b="0" kern="1200">
-                <a:solidFill>
-                  <a:schemeClr val="tx1"/>
-                </a:solidFill>
-                <a:latin typeface="Montserrat" pitchFamily="2" charset="77"/>
-                <a:ea typeface="+mn-ea"/>
-                <a:cs typeface="+mn-cs"/>
-              </a:defRPr>
-            </a:lvl5pPr>
-            <a:lvl6pPr marL="2514600" indent="-228600" algn="l" defTabSz="914400" rtl="0" eaLnBrk="1" latinLnBrk="0" hangingPunct="1">
-              <a:lnSpc>
-                <a:spcPct val="90000"/>
-              </a:lnSpc>
-              <a:spcBef>
-                <a:spcPts val="500"/>
-              </a:spcBef>
-              <a:buFont typeface="Arial" panose="020B0604020202020204" pitchFamily="34" charset="0"/>
-              <a:buChar char="•"/>
-              <a:defRPr sz="1800" kern="1200">
-                <a:solidFill>
-                  <a:schemeClr val="tx1"/>
-                </a:solidFill>
-                <a:latin typeface="+mn-lt"/>
-                <a:ea typeface="+mn-ea"/>
-                <a:cs typeface="+mn-cs"/>
-              </a:defRPr>
-            </a:lvl6pPr>
-            <a:lvl7pPr marL="2971800" indent="-228600" algn="l" defTabSz="914400" rtl="0" eaLnBrk="1" latinLnBrk="0" hangingPunct="1">
-              <a:lnSpc>
-                <a:spcPct val="90000"/>
-              </a:lnSpc>
-              <a:spcBef>
-                <a:spcPts val="500"/>
-              </a:spcBef>
-              <a:buFont typeface="Arial" panose="020B0604020202020204" pitchFamily="34" charset="0"/>
-              <a:buChar char="•"/>
-              <a:defRPr sz="1800" kern="1200">
-                <a:solidFill>
-                  <a:schemeClr val="tx1"/>
-                </a:solidFill>
-                <a:latin typeface="+mn-lt"/>
-                <a:ea typeface="+mn-ea"/>
-                <a:cs typeface="+mn-cs"/>
-              </a:defRPr>
-            </a:lvl7pPr>
-            <a:lvl8pPr marL="3429000" indent="-228600" algn="l" defTabSz="914400" rtl="0" eaLnBrk="1" latinLnBrk="0" hangingPunct="1">
-              <a:lnSpc>
-                <a:spcPct val="90000"/>
-              </a:lnSpc>
-              <a:spcBef>
-                <a:spcPts val="500"/>
-              </a:spcBef>
-              <a:buFont typeface="Arial" panose="020B0604020202020204" pitchFamily="34" charset="0"/>
-              <a:buChar char="•"/>
-              <a:defRPr sz="1800" kern="1200">
-                <a:solidFill>
-                  <a:schemeClr val="tx1"/>
-                </a:solidFill>
-                <a:latin typeface="+mn-lt"/>
-                <a:ea typeface="+mn-ea"/>
-                <a:cs typeface="+mn-cs"/>
-              </a:defRPr>
-            </a:lvl8pPr>
-            <a:lvl9pPr marL="3886200" indent="-228600" algn="l" defTabSz="914400" rtl="0" eaLnBrk="1" latinLnBrk="0" hangingPunct="1">
-              <a:lnSpc>
-                <a:spcPct val="90000"/>
-              </a:lnSpc>
-              <a:spcBef>
-                <a:spcPts val="500"/>
-              </a:spcBef>
-              <a:buFont typeface="Arial" panose="020B0604020202020204" pitchFamily="34" charset="0"/>
-              <a:buChar char="•"/>
-              <a:defRPr sz="1800" kern="1200">
-                <a:solidFill>
-                  <a:schemeClr val="tx1"/>
-                </a:solidFill>
-                <a:latin typeface="+mn-lt"/>
-                <a:ea typeface="+mn-ea"/>
-                <a:cs typeface="+mn-cs"/>
-              </a:defRPr>
-            </a:lvl9pPr>
-          </a:lstStyle>
-          <a:p>
-            <a:endParaRPr lang="en-GB" sz="1400" dirty="0"/>
-          </a:p>
-        </p:txBody>
-      </p:sp>
-      <p:sp>
-        <p:nvSpPr>
-          <p:cNvPr id="8" name="Text Placeholder 7"/>
+          <p:cNvPr id="3" name="Subtitle 2">
+            <a:extLst>
+              <a:ext uri="{FF2B5EF4-FFF2-40B4-BE49-F238E27FC236}">
+                <a16:creationId xmlns:a16="http://schemas.microsoft.com/office/drawing/2014/main" id="{52534D79-CFC0-C4F4-AD12-F13DBCAB1A97}"/>
+              </a:ext>
+            </a:extLst>
+          </p:cNvPr>
           <p:cNvSpPr>
             <a:spLocks noGrp="1"/>
           </p:cNvSpPr>
           <p:nvPr>
-            <p:ph type="body" sz="quarter" idx="12"/>
+            <p:ph type="subTitle" idx="1"/>
           </p:nvPr>
         </p:nvSpPr>
         <p:spPr/>
@@ -38112,14 +38136,14 @@
           <a:bodyPr/>
           <a:lstStyle/>
           <a:p>
-            <a:endParaRPr lang="en-IN"/>
+            <a:endParaRPr lang="en-GB"/>
           </a:p>
         </p:txBody>
       </p:sp>
     </p:spTree>
     <p:extLst>
       <p:ext uri="{BB962C8B-B14F-4D97-AF65-F5344CB8AC3E}">
-        <p14:creationId xmlns:p14="http://schemas.microsoft.com/office/powerpoint/2010/main" val="1792101053"/>
+        <p14:creationId xmlns:p14="http://schemas.microsoft.com/office/powerpoint/2010/main" val="1003932267"/>
       </p:ext>
     </p:extLst>
   </p:cSld>
@@ -40032,15 +40056,6 @@
 </file>
 
 <file path=customXml/item1.xml><?xml version="1.0" encoding="utf-8"?>
-<?mso-contentType ?>
-<FormTemplates xmlns="http://schemas.microsoft.com/sharepoint/v3/contenttype/forms">
-  <Display>DocumentLibraryForm</Display>
-  <Edit>DocumentLibraryForm</Edit>
-  <New>DocumentLibraryForm</New>
-</FormTemplates>
-</file>
-
-<file path=customXml/item2.xml><?xml version="1.0" encoding="utf-8"?>
 <ct:contentTypeSchema xmlns:ct="http://schemas.microsoft.com/office/2006/metadata/contentType" xmlns:ma="http://schemas.microsoft.com/office/2006/metadata/properties/metaAttributes" ct:_="" ma:_="" ma:contentTypeName="Courseware" ma:contentTypeID="0x010100F0967B7CEE8D417F966757887D9466FB00B3EF5B1D149FDF49B1880C030D548140" ma:contentTypeVersion="0" ma:contentTypeDescription="Base content type which represents courseware documents" ma:contentTypeScope="" ma:versionID="ab0d7ca79e0ea5a537b031f986da336c">
   <xsd:schema xmlns:xsd="http://www.w3.org/2001/XMLSchema" xmlns:xs="http://www.w3.org/2001/XMLSchema" xmlns:p="http://schemas.microsoft.com/office/2006/metadata/properties" xmlns:ns2="6794D9DE-4FDF-4DC0-8B2C-5438320C69D5" targetNamespace="http://schemas.microsoft.com/office/2006/metadata/properties" ma:root="true" ma:fieldsID="7ff8e7c62cc10108c036e94c947d8fb9" ns2:_="">
     <xsd:import namespace="6794D9DE-4FDF-4DC0-8B2C-5438320C69D5"/>
@@ -40180,6 +40195,15 @@
 </ct:contentTypeSchema>
 </file>
 
+<file path=customXml/item2.xml><?xml version="1.0" encoding="utf-8"?>
+<?mso-contentType ?>
+<FormTemplates xmlns="http://schemas.microsoft.com/sharepoint/v3/contenttype/forms">
+  <Display>DocumentLibraryForm</Display>
+  <Edit>DocumentLibraryForm</Edit>
+  <New>DocumentLibraryForm</New>
+</FormTemplates>
+</file>
+
 <file path=customXml/item3.xml><?xml version="1.0" encoding="utf-8"?>
 <p:properties xmlns:p="http://schemas.microsoft.com/office/2006/metadata/properties" xmlns:xsi="http://www.w3.org/2001/XMLSchema-instance" xmlns:pc="http://schemas.microsoft.com/office/infopath/2007/PartnerControls">
   <documentManagement>
@@ -40198,14 +40222,6 @@
 </file>
 
 <file path=customXml/itemProps1.xml><?xml version="1.0" encoding="utf-8"?>
-<ds:datastoreItem xmlns:ds="http://schemas.openxmlformats.org/officeDocument/2006/customXml" ds:itemID="{29DAB023-16FF-451F-92AF-75688FACFE2D}">
-  <ds:schemaRefs>
-    <ds:schemaRef ds:uri="http://schemas.microsoft.com/sharepoint/v3/contenttype/forms"/>
-  </ds:schemaRefs>
-</ds:datastoreItem>
-</file>
-
-<file path=customXml/itemProps2.xml><?xml version="1.0" encoding="utf-8"?>
 <ds:datastoreItem xmlns:ds="http://schemas.openxmlformats.org/officeDocument/2006/customXml" ds:itemID="{9BF96F35-93DA-445D-9A2E-C702439F5B46}">
   <ds:schemaRefs>
     <ds:schemaRef ds:uri="http://schemas.microsoft.com/office/2006/metadata/contentType"/>
@@ -40219,6 +40235,14 @@
     <ds:schemaRef ds:uri="http://purl.org/dc/elements/1.1/"/>
     <ds:schemaRef ds:uri="http://purl.org/dc/terms/"/>
     <ds:schemaRef ds:uri="http://schemas.microsoft.com/internal/obd"/>
+  </ds:schemaRefs>
+</ds:datastoreItem>
+</file>
+
+<file path=customXml/itemProps2.xml><?xml version="1.0" encoding="utf-8"?>
+<ds:datastoreItem xmlns:ds="http://schemas.openxmlformats.org/officeDocument/2006/customXml" ds:itemID="{29DAB023-16FF-451F-92AF-75688FACFE2D}">
+  <ds:schemaRefs>
+    <ds:schemaRef ds:uri="http://schemas.microsoft.com/sharepoint/v3/contenttype/forms"/>
   </ds:schemaRefs>
 </ds:datastoreItem>
 </file>
